--- a/Seminarium Dyplomowe/SeminariumDyplomowe.pptx
+++ b/Seminarium Dyplomowe/SeminariumDyplomowe.pptx
@@ -10,18 +10,18 @@
     <p:sldId id="258" r:id="rId4"/>
     <p:sldId id="272" r:id="rId5"/>
     <p:sldId id="259" r:id="rId6"/>
-    <p:sldId id="263" r:id="rId7"/>
-    <p:sldId id="264" r:id="rId8"/>
-    <p:sldId id="265" r:id="rId9"/>
-    <p:sldId id="266" r:id="rId10"/>
-    <p:sldId id="267" r:id="rId11"/>
-    <p:sldId id="271" r:id="rId12"/>
-    <p:sldId id="262" r:id="rId13"/>
-    <p:sldId id="269" r:id="rId14"/>
-    <p:sldId id="270" r:id="rId15"/>
-    <p:sldId id="268" r:id="rId16"/>
-    <p:sldId id="261" r:id="rId17"/>
-    <p:sldId id="260" r:id="rId18"/>
+    <p:sldId id="273" r:id="rId7"/>
+    <p:sldId id="274" r:id="rId8"/>
+    <p:sldId id="263" r:id="rId9"/>
+    <p:sldId id="264" r:id="rId10"/>
+    <p:sldId id="266" r:id="rId11"/>
+    <p:sldId id="267" r:id="rId12"/>
+    <p:sldId id="271" r:id="rId13"/>
+    <p:sldId id="262" r:id="rId14"/>
+    <p:sldId id="269" r:id="rId15"/>
+    <p:sldId id="270" r:id="rId16"/>
+    <p:sldId id="268" r:id="rId17"/>
+    <p:sldId id="261" r:id="rId18"/>
   </p:sldIdLst>
   <p:sldSz cx="9144000" cy="6858000" type="screen4x3"/>
   <p:notesSz cx="6562725" cy="8686800"/>
@@ -2538,7 +2538,6 @@
               <a:rPr lang="pl-PL" dirty="0"/>
               <a:t>hemodynamicznego serca</a:t>
             </a:r>
-            <a:endParaRPr lang="pl-PL" dirty="0"/>
           </a:p>
         </p:txBody>
       </p:sp>
@@ -2565,11 +2564,7 @@
             <a:pPr algn="l"/>
             <a:r>
               <a:rPr lang="pl-PL" dirty="0" smtClean="0"/>
-              <a:t>Promotor: D</a:t>
-            </a:r>
-            <a:r>
-              <a:rPr lang="pl-PL" dirty="0" smtClean="0"/>
-              <a:t>r </a:t>
+              <a:t>Promotor: Dr </a:t>
             </a:r>
             <a:r>
               <a:rPr lang="pl-PL" dirty="0"/>
@@ -2867,9 +2862,10 @@
           <a:bodyPr/>
           <a:lstStyle/>
           <a:p>
+            <a:pPr marL="514350" indent="-514350"/>
             <a:r>
               <a:rPr lang="pl-PL" dirty="0"/>
-              <a:t>Cele metodologiczne</a:t>
+              <a:t>Cele praktyczne</a:t>
             </a:r>
           </a:p>
         </p:txBody>
@@ -2889,6 +2885,28 @@
           <a:bodyPr/>
           <a:lstStyle/>
           <a:p>
+            <a:endParaRPr lang="pl-PL" dirty="0" smtClean="0"/>
+          </a:p>
+          <a:p>
+            <a:r>
+              <a:rPr lang="pl-PL" dirty="0" smtClean="0"/>
+              <a:t>Zwiększenie </a:t>
+            </a:r>
+            <a:r>
+              <a:rPr lang="pl-PL" dirty="0"/>
+              <a:t>tempa i skuteczności uczenia się anatomi serca przez studentów </a:t>
+            </a:r>
+            <a:r>
+              <a:rPr lang="pl-PL" dirty="0" smtClean="0"/>
+              <a:t>medycyny</a:t>
+            </a:r>
+            <a:endParaRPr lang="pl-PL" dirty="0"/>
+          </a:p>
+          <a:p>
+            <a:r>
+              <a:rPr lang="pl-PL" dirty="0" smtClean="0"/>
+              <a:t>Aplikacja umożliwiajaca pomiar tętna</a:t>
+            </a:r>
             <a:endParaRPr lang="pl-PL" dirty="0"/>
           </a:p>
         </p:txBody>
@@ -2896,7 +2914,7 @@
     </p:spTree>
     <p:extLst>
       <p:ext uri="{BB962C8B-B14F-4D97-AF65-F5344CB8AC3E}">
-        <p14:creationId xmlns:p14="http://schemas.microsoft.com/office/powerpoint/2010/main" val="213991956"/>
+        <p14:creationId xmlns:p14="http://schemas.microsoft.com/office/powerpoint/2010/main" val="2972872453"/>
       </p:ext>
     </p:extLst>
   </p:cSld>
@@ -2943,13 +2961,8 @@
           <a:p>
             <a:r>
               <a:rPr lang="pl-PL" dirty="0"/>
-              <a:t>Wymagania </a:t>
-            </a:r>
-            <a:r>
-              <a:rPr lang="pl-PL" dirty="0" smtClean="0"/>
-              <a:t>aplikacji</a:t>
-            </a:r>
-            <a:endParaRPr lang="pl-PL" dirty="0"/>
+              <a:t>Cele metodologiczne</a:t>
+            </a:r>
           </a:p>
         </p:txBody>
       </p:sp>
@@ -2968,14 +2981,27 @@
           <a:bodyPr/>
           <a:lstStyle/>
           <a:p>
-            <a:endParaRPr lang="pl-PL"/>
+            <a:endParaRPr lang="pl-PL" dirty="0" smtClean="0"/>
+          </a:p>
+          <a:p>
+            <a:r>
+              <a:rPr lang="pl-PL" dirty="0" smtClean="0"/>
+              <a:t>Badanie szybkiego renderingu modeli3D z szczegółami na urzadzeniach mobilnych</a:t>
+            </a:r>
+          </a:p>
+          <a:p>
+            <a:r>
+              <a:rPr lang="pl-PL" dirty="0" smtClean="0"/>
+              <a:t>Badanie pomaru tętana różnymi metodami</a:t>
+            </a:r>
+            <a:endParaRPr lang="pl-PL" dirty="0"/>
           </a:p>
         </p:txBody>
       </p:sp>
     </p:spTree>
     <p:extLst>
       <p:ext uri="{BB962C8B-B14F-4D97-AF65-F5344CB8AC3E}">
-        <p14:creationId xmlns:p14="http://schemas.microsoft.com/office/powerpoint/2010/main" val="811512208"/>
+        <p14:creationId xmlns:p14="http://schemas.microsoft.com/office/powerpoint/2010/main" val="213991956"/>
       </p:ext>
     </p:extLst>
   </p:cSld>
@@ -3022,16 +3048,13 @@
           <a:p>
             <a:r>
               <a:rPr lang="pl-PL" dirty="0"/>
-              <a:t>Wybór </a:t>
+              <a:t>Wymagania </a:t>
             </a:r>
             <a:r>
               <a:rPr lang="pl-PL" dirty="0" smtClean="0"/>
-              <a:t>metod </a:t>
-            </a:r>
-            <a:r>
-              <a:rPr lang="pl-PL" dirty="0"/>
-              <a:t>realizacji celu</a:t>
-            </a:r>
+              <a:t>aplikacji</a:t>
+            </a:r>
+            <a:endParaRPr lang="pl-PL" dirty="0"/>
           </a:p>
         </p:txBody>
       </p:sp>
@@ -3050,17 +3073,83 @@
           <a:bodyPr/>
           <a:lstStyle/>
           <a:p>
-            <a:pPr marL="0" indent="0">
-              <a:buNone/>
-            </a:pPr>
-            <a:endParaRPr lang="pl-PL" dirty="0" smtClean="0"/>
+            <a:r>
+              <a:rPr lang="pl-PL" sz="2500" dirty="0" smtClean="0"/>
+              <a:t>Obsługuje </a:t>
+            </a:r>
+            <a:r>
+              <a:rPr lang="pl-PL" sz="2500" dirty="0"/>
+              <a:t>iOS, macOS i Android 4.3 i nowsze </a:t>
+            </a:r>
+            <a:endParaRPr lang="pl-PL" sz="2500" dirty="0" smtClean="0"/>
+          </a:p>
+          <a:p>
+            <a:r>
+              <a:rPr lang="pl-PL" sz="2500" dirty="0" smtClean="0"/>
+              <a:t>Transfer </a:t>
+            </a:r>
+            <a:r>
+              <a:rPr lang="pl-PL" sz="2500" dirty="0"/>
+              <a:t>danych w czasie rzeczywistym </a:t>
+            </a:r>
+            <a:endParaRPr lang="pl-PL" sz="2500" dirty="0" smtClean="0"/>
+          </a:p>
+          <a:p>
+            <a:r>
+              <a:rPr lang="pl-PL" sz="2500" dirty="0"/>
+              <a:t>Pomiar tętna za pomocą aparatu i zewnętrznego urządzenia (</a:t>
+            </a:r>
+            <a:r>
+              <a:rPr lang="pl-PL" sz="2500" dirty="0" smtClean="0"/>
+              <a:t>smartwatch</a:t>
+            </a:r>
+          </a:p>
+          <a:p>
+            <a:r>
+              <a:rPr lang="pl-PL" sz="2500" dirty="0" smtClean="0"/>
+              <a:t>Pobieranie pomiaru tętna z </a:t>
+            </a:r>
+            <a:r>
+              <a:rPr lang="pl-PL" sz="2500" dirty="0"/>
+              <a:t>różnych pasków piersiowych i zegarków BLE (np. Wahoo BlueHR, Mio Alpha</a:t>
+            </a:r>
+            <a:r>
+              <a:rPr lang="pl-PL" sz="2500" dirty="0" smtClean="0"/>
+              <a:t>).</a:t>
+            </a:r>
+          </a:p>
+          <a:p>
+            <a:r>
+              <a:rPr lang="pl-PL" sz="2500" dirty="0" smtClean="0"/>
+              <a:t>Zawiera </a:t>
+            </a:r>
+            <a:r>
+              <a:rPr lang="pl-PL" sz="2500" dirty="0"/>
+              <a:t>przykłady </a:t>
+            </a:r>
+            <a:r>
+              <a:rPr lang="pl-PL" sz="2500" dirty="0" smtClean="0"/>
+              <a:t>wizualizacji ( np. </a:t>
+            </a:r>
+            <a:r>
+              <a:rPr lang="pl-PL" sz="2500" dirty="0"/>
+              <a:t>Interaktywny model </a:t>
+            </a:r>
+            <a:r>
+              <a:rPr lang="pl-PL" sz="2500" dirty="0" smtClean="0"/>
+              <a:t>serca</a:t>
+            </a:r>
+            <a:r>
+              <a:rPr lang="pl-PL" sz="2500" dirty="0"/>
+              <a:t>)</a:t>
+            </a:r>
           </a:p>
         </p:txBody>
       </p:sp>
     </p:spTree>
     <p:extLst>
       <p:ext uri="{BB962C8B-B14F-4D97-AF65-F5344CB8AC3E}">
-        <p14:creationId xmlns:p14="http://schemas.microsoft.com/office/powerpoint/2010/main" val="2501355794"/>
+        <p14:creationId xmlns:p14="http://schemas.microsoft.com/office/powerpoint/2010/main" val="811512208"/>
       </p:ext>
     </p:extLst>
   </p:cSld>
@@ -3106,36 +3195,153 @@
           <a:lstStyle/>
           <a:p>
             <a:r>
+              <a:rPr lang="pl-PL" dirty="0"/>
+              <a:t>Wybór </a:t>
+            </a:r>
+            <a:r>
               <a:rPr lang="pl-PL" dirty="0" smtClean="0"/>
-              <a:t>Harmonogram pracy</a:t>
+              <a:t>metod </a:t>
+            </a:r>
+            <a:r>
+              <a:rPr lang="pl-PL" dirty="0"/>
+              <a:t>realizacji </a:t>
+            </a:r>
+            <a:r>
+              <a:rPr lang="pl-PL" dirty="0" smtClean="0"/>
+              <a:t>celu</a:t>
             </a:r>
             <a:endParaRPr lang="pl-PL" dirty="0"/>
           </a:p>
         </p:txBody>
       </p:sp>
-      <p:sp>
-        <p:nvSpPr>
-          <p:cNvPr id="3" name="Content Placeholder 2"/>
-          <p:cNvSpPr>
-            <a:spLocks noGrp="1"/>
-          </p:cNvSpPr>
+      <p:pic>
+        <p:nvPicPr>
+          <p:cNvPr id="11" name="Content Placeholder 10"/>
+          <p:cNvPicPr>
+            <a:picLocks noGrp="1" noChangeAspect="1"/>
+          </p:cNvPicPr>
           <p:nvPr>
             <p:ph idx="1"/>
           </p:nvPr>
-        </p:nvSpPr>
-        <p:spPr/>
-        <p:txBody>
-          <a:bodyPr/>
-          <a:lstStyle/>
-          <a:p>
-            <a:endParaRPr lang="pl-PL" dirty="0"/>
-          </a:p>
-        </p:txBody>
-      </p:sp>
+        </p:nvPicPr>
+        <p:blipFill>
+          <a:blip r:embed="rId2">
+            <a:extLst>
+              <a:ext uri="{28A0092B-C50C-407E-A947-70E740481C1C}">
+                <a14:useLocalDpi xmlns:a14="http://schemas.microsoft.com/office/drawing/2010/main" val="0"/>
+              </a:ext>
+            </a:extLst>
+          </a:blip>
+          <a:stretch>
+            <a:fillRect/>
+          </a:stretch>
+        </p:blipFill>
+        <p:spPr>
+          <a:xfrm>
+            <a:off x="1835696" y="1998133"/>
+            <a:ext cx="3335912" cy="1754044"/>
+          </a:xfrm>
+        </p:spPr>
+      </p:pic>
+      <p:pic>
+        <p:nvPicPr>
+          <p:cNvPr id="12" name="Picture 11"/>
+          <p:cNvPicPr>
+            <a:picLocks noChangeAspect="1"/>
+          </p:cNvPicPr>
+          <p:nvPr/>
+        </p:nvPicPr>
+        <p:blipFill>
+          <a:blip r:embed="rId3">
+            <a:extLst>
+              <a:ext uri="{28A0092B-C50C-407E-A947-70E740481C1C}">
+                <a14:useLocalDpi xmlns:a14="http://schemas.microsoft.com/office/drawing/2010/main" val="0"/>
+              </a:ext>
+            </a:extLst>
+          </a:blip>
+          <a:stretch>
+            <a:fillRect/>
+          </a:stretch>
+        </p:blipFill>
+        <p:spPr>
+          <a:xfrm>
+            <a:off x="2912094" y="4085022"/>
+            <a:ext cx="1298848" cy="1298848"/>
+          </a:xfrm>
+          <a:prstGeom prst="rect">
+            <a:avLst/>
+          </a:prstGeom>
+        </p:spPr>
+      </p:pic>
+      <p:pic>
+        <p:nvPicPr>
+          <p:cNvPr id="3086" name="Picture 14" descr="Znalezione obrazy dla zapytania RESHARPER LOGO"/>
+          <p:cNvPicPr>
+            <a:picLocks noChangeAspect="1" noChangeArrowheads="1"/>
+          </p:cNvPicPr>
+          <p:nvPr/>
+        </p:nvPicPr>
+        <p:blipFill>
+          <a:blip r:embed="rId4">
+            <a:extLst>
+              <a:ext uri="{28A0092B-C50C-407E-A947-70E740481C1C}">
+                <a14:useLocalDpi xmlns:a14="http://schemas.microsoft.com/office/drawing/2010/main" val="0"/>
+              </a:ext>
+            </a:extLst>
+          </a:blip>
+          <a:srcRect/>
+          <a:stretch>
+            <a:fillRect/>
+          </a:stretch>
+        </p:blipFill>
+        <p:spPr bwMode="auto">
+          <a:xfrm>
+            <a:off x="5838194" y="4085022"/>
+            <a:ext cx="1283218" cy="1283218"/>
+          </a:xfrm>
+          <a:prstGeom prst="rect">
+            <a:avLst/>
+          </a:prstGeom>
+          <a:noFill/>
+          <a:extLst>
+            <a:ext uri="{909E8E84-426E-40DD-AFC4-6F175D3DCCD1}">
+              <a14:hiddenFill xmlns:a14="http://schemas.microsoft.com/office/drawing/2010/main">
+                <a:solidFill>
+                  <a:srgbClr val="FFFFFF"/>
+                </a:solidFill>
+              </a14:hiddenFill>
+            </a:ext>
+          </a:extLst>
+        </p:spPr>
+      </p:pic>
+      <p:pic>
+        <p:nvPicPr>
+          <p:cNvPr id="19" name="Picture 18"/>
+          <p:cNvPicPr>
+            <a:picLocks noChangeAspect="1"/>
+          </p:cNvPicPr>
+          <p:nvPr/>
+        </p:nvPicPr>
+        <p:blipFill>
+          <a:blip r:embed="rId5"/>
+          <a:stretch>
+            <a:fillRect/>
+          </a:stretch>
+        </p:blipFill>
+        <p:spPr>
+          <a:xfrm>
+            <a:off x="5651711" y="1998133"/>
+            <a:ext cx="1656184" cy="1656184"/>
+          </a:xfrm>
+          <a:prstGeom prst="rect">
+            <a:avLst/>
+          </a:prstGeom>
+        </p:spPr>
+      </p:pic>
     </p:spTree>
     <p:extLst>
       <p:ext uri="{BB962C8B-B14F-4D97-AF65-F5344CB8AC3E}">
-        <p14:creationId xmlns:p14="http://schemas.microsoft.com/office/powerpoint/2010/main" val="2280012502"/>
+        <p14:creationId xmlns:p14="http://schemas.microsoft.com/office/powerpoint/2010/main" val="2501355794"/>
       </p:ext>
     </p:extLst>
   </p:cSld>
@@ -3181,9 +3387,10 @@
           <a:lstStyle/>
           <a:p>
             <a:r>
-              <a:rPr lang="pl-PL" dirty="0"/>
-              <a:t>Zrealizowane cele</a:t>
-            </a:r>
+              <a:rPr lang="pl-PL" dirty="0" smtClean="0"/>
+              <a:t>Harmonogram pracy</a:t>
+            </a:r>
+            <a:endParaRPr lang="pl-PL" dirty="0"/>
           </a:p>
         </p:txBody>
       </p:sp>
@@ -3202,14 +3409,85 @@
           <a:bodyPr/>
           <a:lstStyle/>
           <a:p>
-            <a:endParaRPr lang="pl-PL"/>
+            <a:endParaRPr lang="pl-PL" sz="2500" dirty="0" smtClean="0"/>
+          </a:p>
+          <a:p>
+            <a:r>
+              <a:rPr lang="pl-PL" sz="2500" dirty="0" smtClean="0"/>
+              <a:t>(31.10.2019) Pobieranie </a:t>
+            </a:r>
+            <a:r>
+              <a:rPr lang="pl-PL" sz="2500" dirty="0"/>
+              <a:t>pomiaru tętna z różnych pasków </a:t>
+            </a:r>
+            <a:r>
+              <a:rPr lang="pl-PL" sz="2500" dirty="0" smtClean="0"/>
+              <a:t>piersiowych </a:t>
+            </a:r>
+            <a:r>
+              <a:rPr lang="pl-PL" sz="2500" dirty="0"/>
+              <a:t>i zegarków </a:t>
+            </a:r>
+            <a:r>
+              <a:rPr lang="pl-PL" sz="2500" dirty="0" smtClean="0"/>
+              <a:t>BLE</a:t>
+            </a:r>
+          </a:p>
+          <a:p>
+            <a:r>
+              <a:rPr lang="pl-PL" sz="2500" dirty="0" smtClean="0"/>
+              <a:t>(</a:t>
+            </a:r>
+            <a:r>
+              <a:rPr lang="pl-PL" sz="2500" dirty="0" smtClean="0"/>
+              <a:t>11.11.2019</a:t>
+            </a:r>
+            <a:r>
+              <a:rPr lang="pl-PL" sz="2500" dirty="0"/>
+              <a:t>) </a:t>
+            </a:r>
+            <a:r>
+              <a:rPr lang="pl-PL" sz="2500" dirty="0" smtClean="0"/>
+              <a:t>Wizualizaca pracy </a:t>
+            </a:r>
+            <a:r>
+              <a:rPr lang="pl-PL" sz="2500" dirty="0" smtClean="0"/>
+              <a:t>serca</a:t>
+            </a:r>
+          </a:p>
+          <a:p>
+            <a:r>
+              <a:rPr lang="pl-PL" sz="2500" dirty="0" smtClean="0"/>
+              <a:t>(25.11.2019) Przedstawienie symulacji pracy serca </a:t>
+            </a:r>
+            <a:endParaRPr lang="pl-PL" sz="2500" dirty="0" smtClean="0"/>
+          </a:p>
+          <a:p>
+            <a:r>
+              <a:rPr lang="pl-PL" sz="2500" dirty="0" smtClean="0"/>
+              <a:t>(30.11.2019) Testowanie</a:t>
+            </a:r>
+          </a:p>
+          <a:p>
+            <a:r>
+              <a:rPr lang="pl-PL" sz="2500" dirty="0" smtClean="0"/>
+              <a:t>(10.12.2019</a:t>
+            </a:r>
+            <a:r>
+              <a:rPr lang="pl-PL" sz="2500" dirty="0" smtClean="0"/>
+              <a:t>) Dokumentacja</a:t>
+            </a:r>
+            <a:endParaRPr lang="pl-PL" sz="2500" dirty="0"/>
+          </a:p>
+          <a:p>
+            <a:endParaRPr lang="pl-PL" sz="2500" dirty="0"/>
           </a:p>
         </p:txBody>
       </p:sp>
     </p:spTree>
     <p:extLst>
       <p:ext uri="{BB962C8B-B14F-4D97-AF65-F5344CB8AC3E}">
-        <p14:creationId xmlns:p14="http://schemas.microsoft.com/office/powerpoint/2010/main" val="4022960838"/>
+        <p14:creationId xmlns:p14="http://schemas.microsoft.com/office/powerpoint/2010/main" val="2280012502"/>
       </p:ext>
     </p:extLst>
   </p:cSld>
@@ -3255,10 +3533,9 @@
           <a:lstStyle/>
           <a:p>
             <a:r>
-              <a:rPr lang="pl-PL" dirty="0" smtClean="0"/>
-              <a:t>Bibliografia</a:t>
-            </a:r>
-            <a:endParaRPr lang="pl-PL" dirty="0"/>
+              <a:rPr lang="pl-PL" dirty="0"/>
+              <a:t>Zrealizowane cele</a:t>
+            </a:r>
           </a:p>
         </p:txBody>
       </p:sp>
@@ -3277,54 +3554,103 @@
           <a:bodyPr/>
           <a:lstStyle/>
           <a:p>
-            <a:endParaRPr lang="pl-PL" sz="2000" dirty="0" smtClean="0"/>
-          </a:p>
-          <a:p>
-            <a:r>
-              <a:rPr lang="en-US" sz="2000" dirty="0" smtClean="0"/>
-              <a:t>Betts, J. Gordon (2013). </a:t>
-            </a:r>
-            <a:r>
-              <a:rPr lang="en-US" sz="1500" dirty="0" smtClean="0"/>
-              <a:t>Anatomy &amp; physiology. pp. 787–846. ISBN 1-938168-13-5. Retrieved 11 August 2014</a:t>
-            </a:r>
-            <a:endParaRPr lang="pl-PL" sz="1500" dirty="0" smtClean="0"/>
-          </a:p>
-          <a:p>
-            <a:r>
-              <a:rPr lang="pl-PL" sz="2000" dirty="0"/>
-              <a:t>“Anatomia człowieka“, Adam Bochenek i Michał Reicher, </a:t>
-            </a:r>
-            <a:r>
-              <a:rPr lang="pl-PL" sz="1500" dirty="0"/>
-              <a:t>PZWL wyd. VII, Warszawa </a:t>
-            </a:r>
-            <a:r>
-              <a:rPr lang="pl-PL" sz="1500" dirty="0" smtClean="0"/>
-              <a:t>1999</a:t>
-            </a:r>
-          </a:p>
-          <a:p>
-            <a:endParaRPr lang="pl-PL" sz="1500" dirty="0" smtClean="0"/>
-          </a:p>
-          <a:p>
-            <a:endParaRPr lang="pl-PL" sz="1500" dirty="0" smtClean="0"/>
-          </a:p>
-          <a:p>
-            <a:endParaRPr lang="pl-PL" sz="2000" dirty="0" smtClean="0"/>
+            <a:r>
+              <a:rPr lang="pl-PL" dirty="0" smtClean="0"/>
+              <a:t>Aplikacja do </a:t>
+            </a:r>
+            <a:r>
+              <a:rPr lang="pl-PL" dirty="0"/>
+              <a:t>pomiaru tętna za pomocą aparatu (kamera internetowa, natywny aparat z Androidem, kamera iOS itp</a:t>
+            </a:r>
+            <a:r>
+              <a:rPr lang="pl-PL" dirty="0" smtClean="0"/>
+              <a:t>.)</a:t>
+            </a:r>
           </a:p>
           <a:p>
             <a:pPr marL="0" indent="0">
               <a:buNone/>
             </a:pPr>
+            <a:endParaRPr lang="pl-PL" dirty="0" smtClean="0"/>
+          </a:p>
+          <a:p>
+            <a:pPr marL="0" indent="0">
+              <a:buNone/>
+            </a:pPr>
+            <a:endParaRPr lang="pl-PL" dirty="0" smtClean="0"/>
+          </a:p>
+          <a:p>
             <a:endParaRPr lang="pl-PL" dirty="0"/>
           </a:p>
         </p:txBody>
       </p:sp>
+      <p:sp>
+        <p:nvSpPr>
+          <p:cNvPr id="4" name="AutoShape 2" descr="Znalezione obrazy dla zapytania Unity"/>
+          <p:cNvSpPr>
+            <a:spLocks noChangeAspect="1" noChangeArrowheads="1"/>
+          </p:cNvSpPr>
+          <p:nvPr/>
+        </p:nvSpPr>
+        <p:spPr bwMode="auto">
+          <a:xfrm>
+            <a:off x="155575" y="-144463"/>
+            <a:ext cx="304800" cy="304801"/>
+          </a:xfrm>
+          <a:prstGeom prst="rect">
+            <a:avLst/>
+          </a:prstGeom>
+          <a:noFill/>
+          <a:extLst>
+            <a:ext uri="{909E8E84-426E-40DD-AFC4-6F175D3DCCD1}">
+              <a14:hiddenFill xmlns:a14="http://schemas.microsoft.com/office/drawing/2010/main">
+                <a:solidFill>
+                  <a:srgbClr val="FFFFFF"/>
+                </a:solidFill>
+              </a14:hiddenFill>
+            </a:ext>
+          </a:extLst>
+        </p:spPr>
+        <p:txBody>
+          <a:bodyPr vert="horz" wrap="square" lIns="91440" tIns="45720" rIns="91440" bIns="45720" numCol="1" anchor="t" anchorCtr="0" compatLnSpc="1">
+            <a:prstTxWarp prst="textNoShape">
+              <a:avLst/>
+            </a:prstTxWarp>
+          </a:bodyPr>
+          <a:lstStyle/>
+          <a:p>
+            <a:endParaRPr lang="pl-PL"/>
+          </a:p>
+        </p:txBody>
+      </p:sp>
+      <p:pic>
+        <p:nvPicPr>
+          <p:cNvPr id="5" name="Picture 4"/>
+          <p:cNvPicPr>
+            <a:picLocks noChangeAspect="1"/>
+          </p:cNvPicPr>
+          <p:nvPr/>
+        </p:nvPicPr>
+        <p:blipFill>
+          <a:blip r:embed="rId2"/>
+          <a:stretch>
+            <a:fillRect/>
+          </a:stretch>
+        </p:blipFill>
+        <p:spPr>
+          <a:xfrm>
+            <a:off x="761206" y="4149080"/>
+            <a:ext cx="8124825" cy="1638300"/>
+          </a:xfrm>
+          <a:prstGeom prst="rect">
+            <a:avLst/>
+          </a:prstGeom>
+        </p:spPr>
+      </p:pic>
     </p:spTree>
     <p:extLst>
       <p:ext uri="{BB962C8B-B14F-4D97-AF65-F5344CB8AC3E}">
-        <p14:creationId xmlns:p14="http://schemas.microsoft.com/office/powerpoint/2010/main" val="2827071451"/>
+        <p14:creationId xmlns:p14="http://schemas.microsoft.com/office/powerpoint/2010/main" val="4022960838"/>
       </p:ext>
     </p:extLst>
   </p:cSld>
@@ -3334,6 +3660,13 @@
   <p:transition>
     <p:randomBar/>
   </p:transition>
+  <p:timing>
+    <p:tnLst>
+      <p:par>
+        <p:cTn id="1" dur="indefinite" restart="never" nodeType="tmRoot"/>
+      </p:par>
+    </p:tnLst>
+  </p:timing>
 </p:sld>
 </file>
 
@@ -3370,9 +3703,10 @@
           <a:lstStyle/>
           <a:p>
             <a:r>
-              <a:rPr lang="pl-PL" dirty="0"/>
-              <a:t>Podsumowanie</a:t>
-            </a:r>
+              <a:rPr lang="pl-PL" dirty="0" smtClean="0"/>
+              <a:t>Bibliografia</a:t>
+            </a:r>
+            <a:endParaRPr lang="pl-PL" dirty="0"/>
           </a:p>
         </p:txBody>
       </p:sp>
@@ -3391,14 +3725,65 @@
           <a:bodyPr/>
           <a:lstStyle/>
           <a:p>
-            <a:endParaRPr lang="pl-PL"/>
+            <a:endParaRPr lang="pl-PL" sz="2000" dirty="0" smtClean="0"/>
+          </a:p>
+          <a:p>
+            <a:r>
+              <a:rPr lang="en-US" sz="2000" dirty="0" smtClean="0"/>
+              <a:t>Betts, J. Gordon (2013). </a:t>
+            </a:r>
+            <a:r>
+              <a:rPr lang="en-US" sz="1500" dirty="0" smtClean="0"/>
+              <a:t>Anatomy &amp; physiology. pp. 787–846. ISBN 1-938168-13-5. Retrieved 11 August 2014</a:t>
+            </a:r>
+            <a:endParaRPr lang="pl-PL" sz="1500" dirty="0" smtClean="0"/>
+          </a:p>
+          <a:p>
+            <a:r>
+              <a:rPr lang="pl-PL" sz="2000" dirty="0"/>
+              <a:t>“Anatomia człowieka“, Adam Bochenek i Michał Reicher, </a:t>
+            </a:r>
+            <a:r>
+              <a:rPr lang="pl-PL" sz="1500" dirty="0"/>
+              <a:t>PZWL wyd. VII, Warszawa </a:t>
+            </a:r>
+            <a:r>
+              <a:rPr lang="pl-PL" sz="1500" dirty="0" smtClean="0"/>
+              <a:t>1999</a:t>
+            </a:r>
+          </a:p>
+          <a:p>
+            <a:endParaRPr lang="pl-PL" sz="1500" dirty="0" smtClean="0"/>
+          </a:p>
+          <a:p>
+            <a:r>
+              <a:rPr lang="pl-PL" sz="2000" dirty="0"/>
+              <a:t>Dokumetnacja Unity </a:t>
+            </a:r>
+            <a:r>
+              <a:rPr lang="pl-PL" sz="1000" dirty="0"/>
+              <a:t>(thttps://docs.unity3d.com/Manual/index.html</a:t>
+            </a:r>
+            <a:r>
+              <a:rPr lang="pl-PL" sz="1000" dirty="0" smtClean="0"/>
+              <a:t>)</a:t>
+            </a:r>
+          </a:p>
+          <a:p>
+            <a:endParaRPr lang="pl-PL" sz="1000" i="1" dirty="0" smtClean="0"/>
+          </a:p>
+          <a:p>
+            <a:pPr marL="0" indent="0">
+              <a:buNone/>
+            </a:pPr>
+            <a:endParaRPr lang="pl-PL" dirty="0"/>
           </a:p>
         </p:txBody>
       </p:sp>
     </p:spTree>
     <p:extLst>
       <p:ext uri="{BB962C8B-B14F-4D97-AF65-F5344CB8AC3E}">
-        <p14:creationId xmlns:p14="http://schemas.microsoft.com/office/powerpoint/2010/main" val="169798607"/>
+        <p14:creationId xmlns:p14="http://schemas.microsoft.com/office/powerpoint/2010/main" val="2827071451"/>
       </p:ext>
     </p:extLst>
   </p:cSld>
@@ -3408,6 +3793,13 @@
   <p:transition>
     <p:randomBar/>
   </p:transition>
+  <p:timing>
+    <p:tnLst>
+      <p:par>
+        <p:cTn id="1" dur="indefinite" restart="never" nodeType="tmRoot"/>
+      </p:par>
+    </p:tnLst>
+  </p:timing>
 </p:sld>
 </file>
 
@@ -3444,12 +3836,8 @@
           <a:lstStyle/>
           <a:p>
             <a:r>
-              <a:rPr lang="pl-PL" dirty="0"/>
-              <a:t>Wykaz cytowanych </a:t>
-            </a:r>
-            <a:r>
               <a:rPr lang="pl-PL" dirty="0" smtClean="0"/>
-              <a:t>źródeł</a:t>
+              <a:t>Dziękuję za uwagę </a:t>
             </a:r>
             <a:endParaRPr lang="pl-PL" dirty="0"/>
           </a:p>
@@ -3457,7 +3845,7 @@
       </p:sp>
       <p:sp>
         <p:nvSpPr>
-          <p:cNvPr id="3" name="Content Placeholder 2"/>
+          <p:cNvPr id="5" name="Content Placeholder 4"/>
           <p:cNvSpPr>
             <a:spLocks noGrp="1"/>
           </p:cNvSpPr>
@@ -3470,6 +3858,47 @@
           <a:bodyPr/>
           <a:lstStyle/>
           <a:p>
+            <a:pPr marL="0" indent="0" algn="ctr">
+              <a:buNone/>
+            </a:pPr>
+            <a:endParaRPr lang="pl-PL" dirty="0" smtClean="0"/>
+          </a:p>
+          <a:p>
+            <a:pPr marL="0" indent="0" algn="ctr">
+              <a:buNone/>
+            </a:pPr>
+            <a:endParaRPr lang="pl-PL" dirty="0" smtClean="0"/>
+          </a:p>
+          <a:p>
+            <a:pPr marL="0" indent="0" algn="ctr">
+              <a:buNone/>
+            </a:pPr>
+            <a:endParaRPr lang="pl-PL" dirty="0" smtClean="0"/>
+          </a:p>
+          <a:p>
+            <a:pPr marL="0" indent="0" algn="ctr">
+              <a:buNone/>
+            </a:pPr>
+            <a:r>
+              <a:rPr lang="pl-PL" dirty="0" smtClean="0"/>
+              <a:t>Czas na pytania ?</a:t>
+            </a:r>
+            <a:endParaRPr lang="pl-PL" dirty="0"/>
+          </a:p>
+          <a:p>
+            <a:pPr marL="0" indent="0" algn="ctr">
+              <a:buNone/>
+            </a:pPr>
+            <a:endParaRPr lang="pl-PL" dirty="0" smtClean="0"/>
+          </a:p>
+          <a:p>
+            <a:pPr marL="0" indent="0" algn="ctr">
+              <a:buNone/>
+            </a:pPr>
+            <a:r>
+              <a:rPr lang="pl-PL" dirty="0" smtClean="0"/>
+              <a:t>Paweł Szynal</a:t>
+            </a:r>
             <a:endParaRPr lang="pl-PL" dirty="0"/>
           </a:p>
         </p:txBody>
@@ -3477,7 +3906,7 @@
     </p:spTree>
     <p:extLst>
       <p:ext uri="{BB962C8B-B14F-4D97-AF65-F5344CB8AC3E}">
-        <p14:creationId xmlns:p14="http://schemas.microsoft.com/office/powerpoint/2010/main" val="1535849958"/>
+        <p14:creationId xmlns:p14="http://schemas.microsoft.com/office/powerpoint/2010/main" val="169798607"/>
       </p:ext>
     </p:extLst>
   </p:cSld>
@@ -3646,20 +4075,8 @@
             </a:r>
           </a:p>
           <a:p>
-            <a:pPr marL="514350" indent="-514350">
-              <a:buFont typeface="+mj-lt"/>
-              <a:buAutoNum type="arabicPeriod"/>
-            </a:pPr>
-            <a:r>
-              <a:rPr lang="pl-PL" sz="2500" dirty="0"/>
-              <a:t>Wykaz cytowanych źródeł</a:t>
-            </a:r>
-            <a:endParaRPr lang="pl-PL" sz="2500" dirty="0" smtClean="0"/>
-          </a:p>
-          <a:p>
-            <a:pPr marL="514350" indent="-514350">
-              <a:buFont typeface="+mj-lt"/>
-              <a:buAutoNum type="arabicPeriod"/>
+            <a:pPr marL="0" indent="0">
+              <a:buNone/>
             </a:pPr>
             <a:endParaRPr lang="pl-PL" sz="2500" dirty="0"/>
           </a:p>
@@ -3982,8 +4399,126 @@
             </a:r>
             <a:r>
               <a:rPr lang="pl-PL" sz="1500" dirty="0"/>
-              <a:t>0,6–1 sekundy </a:t>
-            </a:r>
+              <a:t>0,6–1 </a:t>
+            </a:r>
+            <a:r>
+              <a:rPr lang="pl-PL" sz="1500" dirty="0" smtClean="0"/>
+              <a:t>sekundy </a:t>
+            </a:r>
+            <a:endParaRPr lang="pl-PL" sz="1500" dirty="0"/>
+          </a:p>
+        </p:txBody>
+      </p:sp>
+      <p:pic>
+        <p:nvPicPr>
+          <p:cNvPr id="1026" name="Picture 2" descr="https://upload.wikimedia.org/wikipedia/commons/thumb/2/2d/Heart_diastole.png/93px-Heart_diastole.png"/>
+          <p:cNvPicPr>
+            <a:picLocks noChangeAspect="1" noChangeArrowheads="1"/>
+          </p:cNvPicPr>
+          <p:nvPr/>
+        </p:nvPicPr>
+        <p:blipFill>
+          <a:blip r:embed="rId2">
+            <a:extLst>
+              <a:ext uri="{28A0092B-C50C-407E-A947-70E740481C1C}">
+                <a14:useLocalDpi xmlns:a14="http://schemas.microsoft.com/office/drawing/2010/main" val="0"/>
+              </a:ext>
+            </a:extLst>
+          </a:blip>
+          <a:srcRect/>
+          <a:stretch>
+            <a:fillRect/>
+          </a:stretch>
+        </p:blipFill>
+        <p:spPr bwMode="auto">
+          <a:xfrm>
+            <a:off x="2592918" y="3861048"/>
+            <a:ext cx="1562572" cy="2016224"/>
+          </a:xfrm>
+          <a:prstGeom prst="rect">
+            <a:avLst/>
+          </a:prstGeom>
+          <a:noFill/>
+          <a:extLst>
+            <a:ext uri="{909E8E84-426E-40DD-AFC4-6F175D3DCCD1}">
+              <a14:hiddenFill xmlns:a14="http://schemas.microsoft.com/office/drawing/2010/main">
+                <a:solidFill>
+                  <a:srgbClr val="FFFFFF"/>
+                </a:solidFill>
+              </a14:hiddenFill>
+            </a:ext>
+          </a:extLst>
+        </p:spPr>
+      </p:pic>
+      <p:pic>
+        <p:nvPicPr>
+          <p:cNvPr id="1028" name="Picture 4" descr="https://upload.wikimedia.org/wikipedia/commons/thumb/3/34/Heart_systole.svg/800px-Heart_systole.svg.png"/>
+          <p:cNvPicPr>
+            <a:picLocks noChangeAspect="1" noChangeArrowheads="1"/>
+          </p:cNvPicPr>
+          <p:nvPr/>
+        </p:nvPicPr>
+        <p:blipFill>
+          <a:blip r:embed="rId3" cstate="print">
+            <a:extLst>
+              <a:ext uri="{28A0092B-C50C-407E-A947-70E740481C1C}">
+                <a14:useLocalDpi xmlns:a14="http://schemas.microsoft.com/office/drawing/2010/main" val="0"/>
+              </a:ext>
+            </a:extLst>
+          </a:blip>
+          <a:srcRect/>
+          <a:stretch>
+            <a:fillRect/>
+          </a:stretch>
+        </p:blipFill>
+        <p:spPr bwMode="auto">
+          <a:xfrm>
+            <a:off x="4823619" y="3833458"/>
+            <a:ext cx="1562964" cy="2016224"/>
+          </a:xfrm>
+          <a:prstGeom prst="rect">
+            <a:avLst/>
+          </a:prstGeom>
+          <a:noFill/>
+          <a:extLst>
+            <a:ext uri="{909E8E84-426E-40DD-AFC4-6F175D3DCCD1}">
+              <a14:hiddenFill xmlns:a14="http://schemas.microsoft.com/office/drawing/2010/main">
+                <a:solidFill>
+                  <a:srgbClr val="FFFFFF"/>
+                </a:solidFill>
+              </a14:hiddenFill>
+            </a:ext>
+          </a:extLst>
+        </p:spPr>
+      </p:pic>
+      <p:sp>
+        <p:nvSpPr>
+          <p:cNvPr id="4" name="Rectangle 3"/>
+          <p:cNvSpPr/>
+          <p:nvPr/>
+        </p:nvSpPr>
+        <p:spPr>
+          <a:xfrm>
+            <a:off x="2231331" y="6326157"/>
+            <a:ext cx="5184576" cy="369332"/>
+          </a:xfrm>
+          <a:prstGeom prst="rect">
+            <a:avLst/>
+          </a:prstGeom>
+        </p:spPr>
+        <p:txBody>
+          <a:bodyPr wrap="square">
+            <a:spAutoFit/>
+          </a:bodyPr>
+          <a:lstStyle/>
+          <a:p>
+            <a:r>
+              <a:rPr lang="pl-PL" dirty="0">
+                <a:hlinkClick r:id="rId4"/>
+              </a:rPr>
+              <a:t>https://pl.wikipedia.org/wiki/Cykl_pracy_serca</a:t>
+            </a:r>
+            <a:endParaRPr lang="pl-PL" dirty="0"/>
           </a:p>
         </p:txBody>
       </p:sp>
@@ -4037,35 +4572,66 @@
           <a:p>
             <a:r>
               <a:rPr lang="pl-PL" dirty="0" smtClean="0"/>
-              <a:t>Uzasadnienie </a:t>
-            </a:r>
-            <a:r>
-              <a:rPr lang="pl-PL" dirty="0"/>
-              <a:t>podjętego celu pracy</a:t>
-            </a:r>
-          </a:p>
-        </p:txBody>
-      </p:sp>
-      <p:sp>
-        <p:nvSpPr>
-          <p:cNvPr id="3" name="Content Placeholder 2"/>
-          <p:cNvSpPr>
-            <a:spLocks noGrp="1"/>
-          </p:cNvSpPr>
+              <a:t>Podobne aplikacje</a:t>
+            </a:r>
+            <a:endParaRPr lang="pl-PL" dirty="0"/>
+          </a:p>
+        </p:txBody>
+      </p:sp>
+      <p:pic>
+        <p:nvPicPr>
+          <p:cNvPr id="4" name="Content Placeholder 3"/>
+          <p:cNvPicPr>
+            <a:picLocks noGrp="1" noChangeAspect="1"/>
+          </p:cNvPicPr>
           <p:nvPr>
             <p:ph idx="1"/>
           </p:nvPr>
-        </p:nvSpPr>
-        <p:spPr/>
-        <p:txBody>
-          <a:bodyPr/>
+        </p:nvPicPr>
+        <p:blipFill>
+          <a:blip r:embed="rId2"/>
+          <a:stretch>
+            <a:fillRect/>
+          </a:stretch>
+        </p:blipFill>
+        <p:spPr>
+          <a:xfrm>
+            <a:off x="609460" y="2204864"/>
+            <a:ext cx="8424862" cy="4023814"/>
+          </a:xfrm>
+          <a:prstGeom prst="rect">
+            <a:avLst/>
+          </a:prstGeom>
+        </p:spPr>
+      </p:pic>
+      <p:sp>
+        <p:nvSpPr>
+          <p:cNvPr id="5" name="Rectangle 4"/>
+          <p:cNvSpPr/>
+          <p:nvPr/>
+        </p:nvSpPr>
+        <p:spPr>
+          <a:xfrm>
+            <a:off x="2304525" y="6228678"/>
+            <a:ext cx="4572000" cy="646331"/>
+          </a:xfrm>
+          <a:prstGeom prst="rect">
+            <a:avLst/>
+          </a:prstGeom>
+        </p:spPr>
+        <p:txBody>
+          <a:bodyPr>
+            <a:spAutoFit/>
+          </a:bodyPr>
           <a:lstStyle/>
           <a:p>
-            <a:pPr marL="514350" indent="-514350">
-              <a:buFont typeface="+mj-lt"/>
-              <a:buAutoNum type="arabicPeriod"/>
-            </a:pPr>
-            <a:endParaRPr lang="pl-PL" dirty="0" smtClean="0"/>
+            <a:r>
+              <a:rPr lang="pl-PL" dirty="0">
+                <a:hlinkClick r:id="rId3"/>
+              </a:rPr>
+              <a:t>https://www.cnet.com/how-to/how-to-track-your-heart-rate-with-a-smartphone/</a:t>
+            </a:r>
+            <a:endParaRPr lang="pl-PL" dirty="0"/>
           </a:p>
         </p:txBody>
       </p:sp>
@@ -4119,7 +4685,38 @@
           <a:p>
             <a:r>
               <a:rPr lang="pl-PL" dirty="0" smtClean="0"/>
-              <a:t>Cele pracy dyplomowej</a:t>
+              <a:t>Podobne aplikacje</a:t>
+            </a:r>
+            <a:endParaRPr lang="pl-PL" dirty="0"/>
+          </a:p>
+        </p:txBody>
+      </p:sp>
+      <p:sp>
+        <p:nvSpPr>
+          <p:cNvPr id="5" name="Rectangle 4"/>
+          <p:cNvSpPr/>
+          <p:nvPr/>
+        </p:nvSpPr>
+        <p:spPr>
+          <a:xfrm>
+            <a:off x="827584" y="6228678"/>
+            <a:ext cx="7824155" cy="646331"/>
+          </a:xfrm>
+          <a:prstGeom prst="rect">
+            <a:avLst/>
+          </a:prstGeom>
+        </p:spPr>
+        <p:txBody>
+          <a:bodyPr wrap="square">
+            <a:spAutoFit/>
+          </a:bodyPr>
+          <a:lstStyle/>
+          <a:p>
+            <a:r>
+              <a:rPr lang="pl-PL" dirty="0">
+                <a:hlinkClick r:id="rId2"/>
+              </a:rPr>
+              <a:t>https://www.cnet.com/how-to/how-to-track-your-heart-rate-with-a-smartphone/</a:t>
             </a:r>
             <a:endParaRPr lang="pl-PL" dirty="0"/>
           </a:p>
@@ -4140,62 +4737,38 @@
           <a:bodyPr/>
           <a:lstStyle/>
           <a:p>
-            <a:pPr marL="514350" indent="-514350">
-              <a:buFont typeface="+mj-lt"/>
-              <a:buAutoNum type="arabicPeriod"/>
-            </a:pPr>
-            <a:endParaRPr lang="pl-PL" dirty="0" smtClean="0"/>
-          </a:p>
-          <a:p>
-            <a:pPr marL="514350" indent="-514350">
-              <a:buFont typeface="+mj-lt"/>
-              <a:buAutoNum type="arabicPeriod"/>
-            </a:pPr>
-            <a:r>
-              <a:rPr lang="pl-PL" dirty="0" smtClean="0"/>
-              <a:t>Cele </a:t>
-            </a:r>
-            <a:r>
-              <a:rPr lang="pl-PL" dirty="0"/>
-              <a:t>teoretyczne </a:t>
-            </a:r>
-          </a:p>
-          <a:p>
-            <a:pPr marL="514350" indent="-514350">
-              <a:buFont typeface="+mj-lt"/>
-              <a:buAutoNum type="arabicPeriod"/>
-            </a:pPr>
-            <a:r>
-              <a:rPr lang="pl-PL" dirty="0"/>
-              <a:t>Cele poznawcze</a:t>
-            </a:r>
-          </a:p>
-          <a:p>
-            <a:pPr marL="514350" indent="-514350">
-              <a:buFont typeface="+mj-lt"/>
-              <a:buAutoNum type="arabicPeriod"/>
-            </a:pPr>
-            <a:r>
-              <a:rPr lang="pl-PL" dirty="0"/>
-              <a:t>Cele praktyczne</a:t>
-            </a:r>
-          </a:p>
-          <a:p>
-            <a:pPr marL="514350" indent="-514350">
-              <a:buFont typeface="+mj-lt"/>
-              <a:buAutoNum type="arabicPeriod"/>
-            </a:pPr>
-            <a:r>
-              <a:rPr lang="pl-PL" dirty="0"/>
-              <a:t>Cele metodologiczne</a:t>
-            </a:r>
-          </a:p>
-        </p:txBody>
-      </p:sp>
+            <a:endParaRPr lang="pl-PL" dirty="0"/>
+          </a:p>
+        </p:txBody>
+      </p:sp>
+      <p:pic>
+        <p:nvPicPr>
+          <p:cNvPr id="6" name="Picture 5"/>
+          <p:cNvPicPr>
+            <a:picLocks noChangeAspect="1"/>
+          </p:cNvPicPr>
+          <p:nvPr/>
+        </p:nvPicPr>
+        <p:blipFill>
+          <a:blip r:embed="rId3"/>
+          <a:stretch>
+            <a:fillRect/>
+          </a:stretch>
+        </p:blipFill>
+        <p:spPr>
+          <a:xfrm>
+            <a:off x="633618" y="1952005"/>
+            <a:ext cx="7995692" cy="4276673"/>
+          </a:xfrm>
+          <a:prstGeom prst="rect">
+            <a:avLst/>
+          </a:prstGeom>
+        </p:spPr>
+      </p:pic>
     </p:spTree>
     <p:extLst>
       <p:ext uri="{BB962C8B-B14F-4D97-AF65-F5344CB8AC3E}">
-        <p14:creationId xmlns:p14="http://schemas.microsoft.com/office/powerpoint/2010/main" val="2189098860"/>
+        <p14:creationId xmlns:p14="http://schemas.microsoft.com/office/powerpoint/2010/main" val="765878213"/>
       </p:ext>
     </p:extLst>
   </p:cSld>
@@ -4240,38 +4813,75 @@
           <a:bodyPr/>
           <a:lstStyle/>
           <a:p>
-            <a:pPr marL="514350" indent="-514350"/>
-            <a:r>
-              <a:rPr lang="pl-PL" dirty="0"/>
-              <a:t>Cele teoretyczne </a:t>
+            <a:r>
+              <a:rPr lang="pl-PL" dirty="0" smtClean="0"/>
+              <a:t>Symulacja pracy Serca</a:t>
             </a:r>
             <a:endParaRPr lang="pl-PL" dirty="0"/>
           </a:p>
         </p:txBody>
       </p:sp>
-      <p:sp>
-        <p:nvSpPr>
-          <p:cNvPr id="3" name="Content Placeholder 2"/>
-          <p:cNvSpPr>
-            <a:spLocks noGrp="1"/>
-          </p:cNvSpPr>
+      <p:pic>
+        <p:nvPicPr>
+          <p:cNvPr id="4" name="Content Placeholder 3"/>
+          <p:cNvPicPr>
+            <a:picLocks noGrp="1" noChangeAspect="1"/>
+          </p:cNvPicPr>
           <p:nvPr>
             <p:ph idx="1"/>
           </p:nvPr>
-        </p:nvSpPr>
-        <p:spPr/>
-        <p:txBody>
-          <a:bodyPr/>
+        </p:nvPicPr>
+        <p:blipFill>
+          <a:blip r:embed="rId2"/>
+          <a:stretch>
+            <a:fillRect/>
+          </a:stretch>
+        </p:blipFill>
+        <p:spPr>
+          <a:xfrm>
+            <a:off x="1096352" y="1881189"/>
+            <a:ext cx="7454533" cy="4356124"/>
+          </a:xfrm>
+          <a:prstGeom prst="rect">
+            <a:avLst/>
+          </a:prstGeom>
+        </p:spPr>
+      </p:pic>
+      <p:sp>
+        <p:nvSpPr>
+          <p:cNvPr id="5" name="Rectangle 4"/>
+          <p:cNvSpPr/>
+          <p:nvPr/>
+        </p:nvSpPr>
+        <p:spPr>
+          <a:xfrm>
+            <a:off x="1616993" y="6318612"/>
+            <a:ext cx="6413249" cy="369332"/>
+          </a:xfrm>
+          <a:prstGeom prst="rect">
+            <a:avLst/>
+          </a:prstGeom>
+        </p:spPr>
+        <p:txBody>
+          <a:bodyPr wrap="square">
+            <a:spAutoFit/>
+          </a:bodyPr>
           <a:lstStyle/>
           <a:p>
-            <a:endParaRPr lang="pl-PL"/>
+            <a:r>
+              <a:rPr lang="pl-PL" dirty="0">
+                <a:hlinkClick r:id="rId3"/>
+              </a:rPr>
+              <a:t>https://blog.kitware.com/pulse-physiology-2-2-0-release/</a:t>
+            </a:r>
+            <a:endParaRPr lang="pl-PL" dirty="0"/>
           </a:p>
         </p:txBody>
       </p:sp>
     </p:spTree>
     <p:extLst>
       <p:ext uri="{BB962C8B-B14F-4D97-AF65-F5344CB8AC3E}">
-        <p14:creationId xmlns:p14="http://schemas.microsoft.com/office/powerpoint/2010/main" val="1651066227"/>
+        <p14:creationId xmlns:p14="http://schemas.microsoft.com/office/powerpoint/2010/main" val="1317765516"/>
       </p:ext>
     </p:extLst>
   </p:cSld>
@@ -4317,12 +4927,8 @@
           <a:lstStyle/>
           <a:p>
             <a:r>
-              <a:rPr lang="pl-PL" dirty="0"/>
-              <a:t>Cele </a:t>
-            </a:r>
-            <a:r>
               <a:rPr lang="pl-PL" dirty="0" smtClean="0"/>
-              <a:t>poznawcze</a:t>
+              <a:t>Cele pracy dyplomowej</a:t>
             </a:r>
             <a:endParaRPr lang="pl-PL" dirty="0"/>
           </a:p>
@@ -4343,14 +4949,52 @@
           <a:bodyPr/>
           <a:lstStyle/>
           <a:p>
-            <a:endParaRPr lang="pl-PL"/>
+            <a:pPr marL="514350" indent="-514350">
+              <a:buFont typeface="+mj-lt"/>
+              <a:buAutoNum type="arabicPeriod"/>
+            </a:pPr>
+            <a:endParaRPr lang="pl-PL" dirty="0" smtClean="0"/>
+          </a:p>
+          <a:p>
+            <a:pPr marL="514350" indent="-514350">
+              <a:buFont typeface="+mj-lt"/>
+              <a:buAutoNum type="arabicPeriod"/>
+            </a:pPr>
+            <a:r>
+              <a:rPr lang="pl-PL" dirty="0" smtClean="0"/>
+              <a:t>Cele teoretyczne i </a:t>
+            </a:r>
+            <a:r>
+              <a:rPr lang="pl-PL" dirty="0"/>
+              <a:t>poznawcze</a:t>
+            </a:r>
+          </a:p>
+          <a:p>
+            <a:pPr marL="514350" indent="-514350">
+              <a:buFont typeface="+mj-lt"/>
+              <a:buAutoNum type="arabicPeriod"/>
+            </a:pPr>
+            <a:r>
+              <a:rPr lang="pl-PL" dirty="0"/>
+              <a:t>Cele praktyczne</a:t>
+            </a:r>
+          </a:p>
+          <a:p>
+            <a:pPr marL="514350" indent="-514350">
+              <a:buFont typeface="+mj-lt"/>
+              <a:buAutoNum type="arabicPeriod"/>
+            </a:pPr>
+            <a:r>
+              <a:rPr lang="pl-PL" dirty="0"/>
+              <a:t>Cele metodologiczne</a:t>
+            </a:r>
           </a:p>
         </p:txBody>
       </p:sp>
     </p:spTree>
     <p:extLst>
       <p:ext uri="{BB962C8B-B14F-4D97-AF65-F5344CB8AC3E}">
-        <p14:creationId xmlns:p14="http://schemas.microsoft.com/office/powerpoint/2010/main" val="2580970169"/>
+        <p14:creationId xmlns:p14="http://schemas.microsoft.com/office/powerpoint/2010/main" val="2189098860"/>
       </p:ext>
     </p:extLst>
   </p:cSld>
@@ -4398,7 +5042,11 @@
             <a:pPr marL="514350" indent="-514350"/>
             <a:r>
               <a:rPr lang="pl-PL" dirty="0"/>
-              <a:t>Cele praktyczne</a:t>
+              <a:t>Cele </a:t>
+            </a:r>
+            <a:r>
+              <a:rPr lang="pl-PL" dirty="0" smtClean="0"/>
+              <a:t>teoretyczne i poznawcze </a:t>
             </a:r>
             <a:endParaRPr lang="pl-PL" dirty="0"/>
           </a:p>
@@ -4419,14 +5067,67 @@
           <a:bodyPr/>
           <a:lstStyle/>
           <a:p>
-            <a:endParaRPr lang="pl-PL"/>
+            <a:r>
+              <a:rPr lang="pl-PL" dirty="0" smtClean="0"/>
+              <a:t>Poznanie </a:t>
+            </a:r>
+            <a:r>
+              <a:rPr lang="pl-PL" dirty="0"/>
+              <a:t>funkcjonowania ludzkiego </a:t>
+            </a:r>
+            <a:r>
+              <a:rPr lang="pl-PL" dirty="0" smtClean="0"/>
+              <a:t>serca</a:t>
+            </a:r>
+          </a:p>
+          <a:p>
+            <a:r>
+              <a:rPr lang="pl-PL" dirty="0" smtClean="0"/>
+              <a:t>poznanie </a:t>
+            </a:r>
+            <a:r>
+              <a:rPr lang="pl-PL" dirty="0"/>
+              <a:t>silnika </a:t>
+            </a:r>
+            <a:r>
+              <a:rPr lang="pl-PL" dirty="0" smtClean="0"/>
+              <a:t>Unity3D</a:t>
+            </a:r>
+          </a:p>
+          <a:p>
+            <a:r>
+              <a:rPr lang="pl-PL" dirty="0" smtClean="0"/>
+              <a:t>Poznanie </a:t>
+            </a:r>
+            <a:r>
+              <a:rPr lang="pl-PL" dirty="0"/>
+              <a:t>proceduralnej geometrii niezbędnej do generowania i renderowania obiektów 3D, </a:t>
+            </a:r>
+            <a:endParaRPr lang="pl-PL" dirty="0" smtClean="0"/>
+          </a:p>
+          <a:p>
+            <a:r>
+              <a:rPr lang="pl-PL" dirty="0" smtClean="0"/>
+              <a:t>Poznanie </a:t>
+            </a:r>
+            <a:r>
+              <a:rPr lang="pl-PL" dirty="0"/>
+              <a:t>podstaw programowania w ShaderLab </a:t>
+            </a:r>
+            <a:endParaRPr lang="pl-PL" dirty="0" smtClean="0"/>
+          </a:p>
+          <a:p>
+            <a:pPr marL="0" indent="0">
+              <a:buNone/>
+            </a:pPr>
+            <a:endParaRPr lang="pl-PL" dirty="0"/>
           </a:p>
         </p:txBody>
       </p:sp>
     </p:spTree>
     <p:extLst>
       <p:ext uri="{BB962C8B-B14F-4D97-AF65-F5344CB8AC3E}">
-        <p14:creationId xmlns:p14="http://schemas.microsoft.com/office/powerpoint/2010/main" val="2972872453"/>
+        <p14:creationId xmlns:p14="http://schemas.microsoft.com/office/powerpoint/2010/main" val="1651066227"/>
       </p:ext>
     </p:extLst>
   </p:cSld>
